--- a/Capstone Project 2/5. Report/Wine Quality Project.pptx
+++ b/Capstone Project 2/5. Report/Wine Quality Project.pptx
@@ -8169,8 +8169,8 @@
         </p:nvSpPr>
         <p:spPr>
           <a:xfrm>
-            <a:off x="0" y="0"/>
-            <a:ext cx="7315200" cy="3429000"/>
+            <a:off x="-1" y="-28018"/>
+            <a:ext cx="7315200" cy="2371723"/>
           </a:xfrm>
         </p:spPr>
         <p:txBody>
@@ -8220,7 +8220,7 @@
         </p:blipFill>
         <p:spPr>
           <a:xfrm>
-            <a:off x="7315200" y="55880"/>
+            <a:off x="7315200" y="29247"/>
             <a:ext cx="4927785" cy="3053466"/>
           </a:xfrm>
           <a:prstGeom prst="rect">
@@ -8244,7 +8244,7 @@
         </p:nvSpPr>
         <p:spPr bwMode="auto">
           <a:xfrm>
-            <a:off x="103801" y="3025448"/>
+            <a:off x="103801" y="2407622"/>
             <a:ext cx="1887559" cy="461665"/>
           </a:xfrm>
           <a:prstGeom prst="rect">
@@ -8656,7 +8656,7 @@
         </p:nvSpPr>
         <p:spPr bwMode="auto">
           <a:xfrm>
-            <a:off x="103801" y="3394933"/>
+            <a:off x="103801" y="2800313"/>
             <a:ext cx="5554406" cy="637097"/>
           </a:xfrm>
           <a:prstGeom prst="rect">
@@ -9480,7 +9480,7 @@
         </p:blipFill>
         <p:spPr>
           <a:xfrm>
-            <a:off x="1920240" y="4124850"/>
+            <a:off x="223064" y="3437410"/>
             <a:ext cx="4175760" cy="2699084"/>
           </a:xfrm>
           <a:prstGeom prst="rect">
@@ -9502,8 +9502,8 @@
         </p:nvSpPr>
         <p:spPr>
           <a:xfrm>
-            <a:off x="103801" y="4419600"/>
-            <a:ext cx="1816439" cy="1200329"/>
+            <a:off x="103801" y="6058286"/>
+            <a:ext cx="4329541" cy="646331"/>
           </a:xfrm>
           <a:prstGeom prst="rect">
             <a:avLst/>
@@ -9518,7 +9518,42 @@
           <a:p>
             <a:r>
               <a:rPr lang="en-US" dirty="0"/>
-              <a:t>Distribution of alcohol after feature engineering -&gt;</a:t>
+              <a:t>Image : Distribution of alcohol after feature engineering</a:t>
+            </a:r>
+          </a:p>
+        </p:txBody>
+      </p:sp>
+      <p:sp>
+        <p:nvSpPr>
+          <p:cNvPr id="2" name="TextBox 1">
+            <a:extLst>
+              <a:ext uri="{FF2B5EF4-FFF2-40B4-BE49-F238E27FC236}">
+                <a16:creationId xmlns:a16="http://schemas.microsoft.com/office/drawing/2014/main" id="{DBDF380E-EC32-4B3C-9D5E-2B2212D4E164}"/>
+              </a:ext>
+            </a:extLst>
+          </p:cNvPr>
+          <p:cNvSpPr txBox="1"/>
+          <p:nvPr/>
+        </p:nvSpPr>
+        <p:spPr>
+          <a:xfrm>
+            <a:off x="7536115" y="3025448"/>
+            <a:ext cx="4485954" cy="646331"/>
+          </a:xfrm>
+          <a:prstGeom prst="rect">
+            <a:avLst/>
+          </a:prstGeom>
+          <a:noFill/>
+        </p:spPr>
+        <p:txBody>
+          <a:bodyPr wrap="square" rtlCol="0">
+            <a:spAutoFit/>
+          </a:bodyPr>
+          <a:lstStyle/>
+          <a:p>
+            <a:r>
+              <a:rPr lang="en-US" dirty="0"/>
+              <a:t>Image : alcohol amount distribution for Low and High quality wine.</a:t>
             </a:r>
           </a:p>
         </p:txBody>
